--- a/Presentation1.pptx
+++ b/Presentation1.pptx
@@ -8,7 +8,8 @@
     <p:sldId id="256" r:id="rId2"/>
     <p:sldId id="257" r:id="rId3"/>
     <p:sldId id="259" r:id="rId4"/>
-    <p:sldId id="258" r:id="rId5"/>
+    <p:sldId id="260" r:id="rId5"/>
+    <p:sldId id="258" r:id="rId6"/>
   </p:sldIdLst>
   <p:sldSz cx="12192000" cy="6858000"/>
   <p:notesSz cx="6858000" cy="9144000"/>
@@ -107,6 +108,11 @@
       </a:defRPr>
     </a:lvl9pPr>
   </p:defaultTextStyle>
+  <p:extLst>
+    <p:ext uri="{EFAFB233-063F-42B5-8137-9DF3F51BA10A}">
+      <p15:sldGuideLst xmlns:p15="http://schemas.microsoft.com/office/powerpoint/2012/main"/>
+    </p:ext>
+  </p:extLst>
 </p:presentation>
 </file>
 
@@ -5068,6 +5074,350 @@
         <p:cNvPr id="1" name="">
           <a:extLst>
             <a:ext uri="{FF2B5EF4-FFF2-40B4-BE49-F238E27FC236}">
+              <a16:creationId xmlns:a16="http://schemas.microsoft.com/office/drawing/2014/main" id="{8CA7B0A9-9716-CBA3-36BB-A42393FB2CBE}"/>
+            </a:ext>
+          </a:extLst>
+        </p:cNvPr>
+        <p:cNvGrpSpPr/>
+        <p:nvPr/>
+      </p:nvGrpSpPr>
+      <p:grpSpPr>
+        <a:xfrm>
+          <a:off x="0" y="0"/>
+          <a:ext cx="0" cy="0"/>
+          <a:chOff x="0" y="0"/>
+          <a:chExt cx="0" cy="0"/>
+        </a:xfrm>
+      </p:grpSpPr>
+      <p:sp useBgFill="1">
+        <p:nvSpPr>
+          <p:cNvPr id="1031" name="Rectangle 1030">
+            <a:extLst>
+              <a:ext uri="{FF2B5EF4-FFF2-40B4-BE49-F238E27FC236}">
+                <a16:creationId xmlns:a16="http://schemas.microsoft.com/office/drawing/2014/main" id="{73F89456-E953-4AF8-8AEC-549B8DB1F464}"/>
+              </a:ext>
+              <a:ext uri="{C183D7F6-B498-43B3-948B-1728B52AA6E4}">
+                <adec:decorative xmlns:adec="http://schemas.microsoft.com/office/drawing/2017/decorative" val="1"/>
+              </a:ext>
+            </a:extLst>
+          </p:cNvPr>
+          <p:cNvSpPr>
+            <a:spLocks noGrp="1" noRot="1" noChangeAspect="1" noMove="1" noResize="1" noEditPoints="1" noAdjustHandles="1" noChangeArrowheads="1" noChangeShapeType="1" noTextEdit="1"/>
+          </p:cNvSpPr>
+          <p:nvPr>
+            <p:extLst>
+              <p:ext uri="{386F3935-93C4-4BCD-93E2-E3B085C9AB24}">
+                <p16:designElem xmlns:p16="http://schemas.microsoft.com/office/powerpoint/2015/main" val="1"/>
+              </p:ext>
+            </p:extLst>
+          </p:nvPr>
+        </p:nvSpPr>
+        <p:spPr>
+          <a:xfrm>
+            <a:off x="-1" y="0"/>
+            <a:ext cx="12188952" cy="6858000"/>
+          </a:xfrm>
+          <a:prstGeom prst="rect">
+            <a:avLst/>
+          </a:prstGeom>
+          <a:ln>
+            <a:noFill/>
+          </a:ln>
+        </p:spPr>
+        <p:style>
+          <a:lnRef idx="2">
+            <a:schemeClr val="accent1">
+              <a:shade val="50000"/>
+            </a:schemeClr>
+          </a:lnRef>
+          <a:fillRef idx="1">
+            <a:schemeClr val="accent1"/>
+          </a:fillRef>
+          <a:effectRef idx="0">
+            <a:schemeClr val="accent1"/>
+          </a:effectRef>
+          <a:fontRef idx="minor">
+            <a:schemeClr val="lt1"/>
+          </a:fontRef>
+        </p:style>
+        <p:txBody>
+          <a:bodyPr rtlCol="0" anchor="ctr"/>
+          <a:lstStyle/>
+          <a:p>
+            <a:pPr algn="ctr"/>
+            <a:endParaRPr lang="en-US"/>
+          </a:p>
+        </p:txBody>
+      </p:sp>
+      <p:sp>
+        <p:nvSpPr>
+          <p:cNvPr id="1033" name="Rectangle 1032">
+            <a:extLst>
+              <a:ext uri="{FF2B5EF4-FFF2-40B4-BE49-F238E27FC236}">
+                <a16:creationId xmlns:a16="http://schemas.microsoft.com/office/drawing/2014/main" id="{13D4533A-31BD-2E30-40C3-11069C79020E}"/>
+              </a:ext>
+              <a:ext uri="{C183D7F6-B498-43B3-948B-1728B52AA6E4}">
+                <adec:decorative xmlns:adec="http://schemas.microsoft.com/office/drawing/2017/decorative" val="1"/>
+              </a:ext>
+            </a:extLst>
+          </p:cNvPr>
+          <p:cNvSpPr>
+            <a:spLocks noGrp="1" noRot="1" noChangeAspect="1" noMove="1" noResize="1" noEditPoints="1" noAdjustHandles="1" noChangeArrowheads="1" noChangeShapeType="1" noTextEdit="1"/>
+          </p:cNvSpPr>
+          <p:nvPr>
+            <p:extLst>
+              <p:ext uri="{386F3935-93C4-4BCD-93E2-E3B085C9AB24}">
+                <p16:designElem xmlns:p16="http://schemas.microsoft.com/office/powerpoint/2015/main" val="1"/>
+              </p:ext>
+            </p:extLst>
+          </p:nvPr>
+        </p:nvSpPr>
+        <p:spPr>
+          <a:xfrm rot="16200000">
+            <a:off x="-1103377" y="1100316"/>
+            <a:ext cx="6858003" cy="4657347"/>
+          </a:xfrm>
+          <a:prstGeom prst="rect">
+            <a:avLst/>
+          </a:prstGeom>
+          <a:gradFill flip="none" rotWithShape="1">
+            <a:gsLst>
+              <a:gs pos="48000">
+                <a:srgbClr val="000000">
+                  <a:alpha val="24000"/>
+                </a:srgbClr>
+              </a:gs>
+              <a:gs pos="85000">
+                <a:srgbClr val="000000">
+                  <a:alpha val="45000"/>
+                </a:srgbClr>
+              </a:gs>
+              <a:gs pos="0">
+                <a:srgbClr val="000000">
+                  <a:alpha val="0"/>
+                </a:srgbClr>
+              </a:gs>
+            </a:gsLst>
+            <a:lin ang="16200000" scaled="1"/>
+            <a:tileRect/>
+          </a:gradFill>
+          <a:ln>
+            <a:noFill/>
+          </a:ln>
+        </p:spPr>
+        <p:style>
+          <a:lnRef idx="2">
+            <a:schemeClr val="accent1">
+              <a:shade val="50000"/>
+            </a:schemeClr>
+          </a:lnRef>
+          <a:fillRef idx="1">
+            <a:schemeClr val="accent1"/>
+          </a:fillRef>
+          <a:effectRef idx="0">
+            <a:schemeClr val="accent1"/>
+          </a:effectRef>
+          <a:fontRef idx="minor">
+            <a:schemeClr val="lt1"/>
+          </a:fontRef>
+        </p:style>
+        <p:txBody>
+          <a:bodyPr rtlCol="0" anchor="ctr"/>
+          <a:lstStyle/>
+          <a:p>
+            <a:pPr algn="ctr"/>
+            <a:endParaRPr lang="en-US"/>
+          </a:p>
+        </p:txBody>
+      </p:sp>
+      <p:sp>
+        <p:nvSpPr>
+          <p:cNvPr id="2" name="Title 1">
+            <a:extLst>
+              <a:ext uri="{FF2B5EF4-FFF2-40B4-BE49-F238E27FC236}">
+                <a16:creationId xmlns:a16="http://schemas.microsoft.com/office/drawing/2014/main" id="{FE26EA54-AD3C-55B1-6213-FE586F71AACC}"/>
+              </a:ext>
+            </a:extLst>
+          </p:cNvPr>
+          <p:cNvSpPr>
+            <a:spLocks noGrp="1"/>
+          </p:cNvSpPr>
+          <p:nvPr>
+            <p:ph type="ctrTitle"/>
+          </p:nvPr>
+        </p:nvSpPr>
+        <p:spPr>
+          <a:xfrm>
+            <a:off x="2318850" y="417105"/>
+            <a:ext cx="7551249" cy="744183"/>
+          </a:xfrm>
+        </p:spPr>
+        <p:txBody>
+          <a:bodyPr anchor="t">
+            <a:normAutofit fontScale="90000"/>
+          </a:bodyPr>
+          <a:lstStyle/>
+          <a:p>
+            <a:r>
+              <a:rPr lang="en-US" sz="5200" b="1" dirty="0">
+                <a:latin typeface="Monaco" pitchFamily="2" charset="77"/>
+              </a:rPr>
+              <a:t>Demo</a:t>
+            </a:r>
+          </a:p>
+        </p:txBody>
+      </p:sp>
+      <p:sp>
+        <p:nvSpPr>
+          <p:cNvPr id="1035" name="Rectangle 1034">
+            <a:extLst>
+              <a:ext uri="{FF2B5EF4-FFF2-40B4-BE49-F238E27FC236}">
+                <a16:creationId xmlns:a16="http://schemas.microsoft.com/office/drawing/2014/main" id="{283D993D-7B7C-237D-7D4A-F09A3D0CF9F9}"/>
+              </a:ext>
+              <a:ext uri="{C183D7F6-B498-43B3-948B-1728B52AA6E4}">
+                <adec:decorative xmlns:adec="http://schemas.microsoft.com/office/drawing/2017/decorative" val="1"/>
+              </a:ext>
+            </a:extLst>
+          </p:cNvPr>
+          <p:cNvSpPr>
+            <a:spLocks noGrp="1" noRot="1" noChangeAspect="1" noMove="1" noResize="1" noEditPoints="1" noAdjustHandles="1" noChangeArrowheads="1" noChangeShapeType="1" noTextEdit="1"/>
+          </p:cNvSpPr>
+          <p:nvPr>
+            <p:extLst>
+              <p:ext uri="{386F3935-93C4-4BCD-93E2-E3B085C9AB24}">
+                <p16:designElem xmlns:p16="http://schemas.microsoft.com/office/powerpoint/2015/main" val="1"/>
+              </p:ext>
+            </p:extLst>
+          </p:nvPr>
+        </p:nvSpPr>
+        <p:spPr>
+          <a:xfrm rot="5400000">
+            <a:off x="7540187" y="2206184"/>
+            <a:ext cx="6858003" cy="2445624"/>
+          </a:xfrm>
+          <a:prstGeom prst="rect">
+            <a:avLst/>
+          </a:prstGeom>
+          <a:gradFill flip="none" rotWithShape="1">
+            <a:gsLst>
+              <a:gs pos="48000">
+                <a:srgbClr val="000000">
+                  <a:alpha val="24000"/>
+                </a:srgbClr>
+              </a:gs>
+              <a:gs pos="85000">
+                <a:srgbClr val="000000">
+                  <a:alpha val="45000"/>
+                </a:srgbClr>
+              </a:gs>
+              <a:gs pos="0">
+                <a:srgbClr val="000000">
+                  <a:alpha val="0"/>
+                </a:srgbClr>
+              </a:gs>
+            </a:gsLst>
+            <a:lin ang="16200000" scaled="1"/>
+            <a:tileRect/>
+          </a:gradFill>
+          <a:ln>
+            <a:noFill/>
+          </a:ln>
+        </p:spPr>
+        <p:style>
+          <a:lnRef idx="2">
+            <a:schemeClr val="accent1">
+              <a:shade val="50000"/>
+            </a:schemeClr>
+          </a:lnRef>
+          <a:fillRef idx="1">
+            <a:schemeClr val="accent1"/>
+          </a:fillRef>
+          <a:effectRef idx="0">
+            <a:schemeClr val="accent1"/>
+          </a:effectRef>
+          <a:fontRef idx="minor">
+            <a:schemeClr val="lt1"/>
+          </a:fontRef>
+        </p:style>
+        <p:txBody>
+          <a:bodyPr rtlCol="0" anchor="ctr"/>
+          <a:lstStyle/>
+          <a:p>
+            <a:pPr algn="ctr"/>
+            <a:endParaRPr lang="en-US"/>
+          </a:p>
+        </p:txBody>
+      </p:sp>
+      <p:sp>
+        <p:nvSpPr>
+          <p:cNvPr id="3" name="TextBox 2">
+            <a:extLst>
+              <a:ext uri="{FF2B5EF4-FFF2-40B4-BE49-F238E27FC236}">
+                <a16:creationId xmlns:a16="http://schemas.microsoft.com/office/drawing/2014/main" id="{C83AFABF-3B61-3259-1C38-4B359B0AB96F}"/>
+              </a:ext>
+            </a:extLst>
+          </p:cNvPr>
+          <p:cNvSpPr txBox="1"/>
+          <p:nvPr/>
+        </p:nvSpPr>
+        <p:spPr>
+          <a:xfrm>
+            <a:off x="4269309" y="1828800"/>
+            <a:ext cx="3268395" cy="646331"/>
+          </a:xfrm>
+          <a:prstGeom prst="rect">
+            <a:avLst/>
+          </a:prstGeom>
+          <a:noFill/>
+        </p:spPr>
+        <p:txBody>
+          <a:bodyPr wrap="none" rtlCol="0">
+            <a:spAutoFit/>
+          </a:bodyPr>
+          <a:lstStyle/>
+          <a:p>
+            <a:r>
+              <a:rPr lang="en-US" dirty="0">
+                <a:hlinkClick r:id="rId2"/>
+              </a:rPr>
+              <a:t>https://youtu.be/CKVScKptAec</a:t>
+            </a:r>
+            <a:endParaRPr lang="en-US" dirty="0"/>
+          </a:p>
+          <a:p>
+            <a:endParaRPr lang="en-US" dirty="0"/>
+          </a:p>
+        </p:txBody>
+      </p:sp>
+    </p:spTree>
+    <p:extLst>
+      <p:ext uri="{BB962C8B-B14F-4D97-AF65-F5344CB8AC3E}">
+        <p14:creationId xmlns:p14="http://schemas.microsoft.com/office/powerpoint/2010/main" val="2063722496"/>
+      </p:ext>
+    </p:extLst>
+  </p:cSld>
+  <p:clrMapOvr>
+    <a:masterClrMapping/>
+  </p:clrMapOvr>
+</p:sld>
+</file>
+
+<file path=ppt/slides/slide5.xml><?xml version="1.0" encoding="utf-8"?>
+<p:sld xmlns:a="http://schemas.openxmlformats.org/drawingml/2006/main" xmlns:r="http://schemas.openxmlformats.org/officeDocument/2006/relationships" xmlns:p="http://schemas.openxmlformats.org/presentationml/2006/main">
+  <p:cSld>
+    <p:bg>
+      <p:bgPr>
+        <a:solidFill>
+          <a:schemeClr val="bg1"/>
+        </a:solidFill>
+        <a:effectLst/>
+      </p:bgPr>
+    </p:bg>
+    <p:spTree>
+      <p:nvGrpSpPr>
+        <p:cNvPr id="1" name="">
+          <a:extLst>
+            <a:ext uri="{FF2B5EF4-FFF2-40B4-BE49-F238E27FC236}">
               <a16:creationId xmlns:a16="http://schemas.microsoft.com/office/drawing/2014/main" id="{F160CC29-B5E5-E9BB-4388-055DB77A6D5B}"/>
             </a:ext>
           </a:extLst>

--- a/Presentation1.pptx
+++ b/Presentation1.pptx
@@ -7,9 +7,10 @@
   <p:sldIdLst>
     <p:sldId id="256" r:id="rId2"/>
     <p:sldId id="257" r:id="rId3"/>
-    <p:sldId id="259" r:id="rId4"/>
-    <p:sldId id="260" r:id="rId5"/>
-    <p:sldId id="258" r:id="rId6"/>
+    <p:sldId id="261" r:id="rId4"/>
+    <p:sldId id="259" r:id="rId5"/>
+    <p:sldId id="260" r:id="rId6"/>
+    <p:sldId id="258" r:id="rId7"/>
   </p:sldIdLst>
   <p:sldSz cx="12192000" cy="6858000"/>
   <p:notesSz cx="6858000" cy="9144000"/>
@@ -4277,25 +4278,7 @@
               <a:rPr lang="en-US" dirty="0">
                 <a:latin typeface="Monaco" pitchFamily="2" charset="77"/>
               </a:rPr>
-              <a:t>Allows to develop </a:t>
-            </a:r>
-            <a:r>
-              <a:rPr lang="en-US" b="1" u="sng" dirty="0">
-                <a:latin typeface="Monaco" pitchFamily="2" charset="77"/>
-              </a:rPr>
-              <a:t>backward reasoning</a:t>
-            </a:r>
-            <a:r>
-              <a:rPr lang="en-US" b="1" dirty="0">
-                <a:latin typeface="Monaco" pitchFamily="2" charset="77"/>
-              </a:rPr>
-              <a:t> </a:t>
-            </a:r>
-            <a:r>
-              <a:rPr lang="en-US" dirty="0">
-                <a:latin typeface="Monaco" pitchFamily="2" charset="77"/>
-              </a:rPr>
-              <a:t>skills</a:t>
+              <a:t>Allows to develop critical thinking skills</a:t>
             </a:r>
           </a:p>
           <a:p>
@@ -4441,7 +4424,7 @@
         <p:cNvPr id="1" name="">
           <a:extLst>
             <a:ext uri="{FF2B5EF4-FFF2-40B4-BE49-F238E27FC236}">
-              <a16:creationId xmlns:a16="http://schemas.microsoft.com/office/drawing/2014/main" id="{45EC49AA-E6E4-EB24-510B-BB8288F3FD89}"/>
+              <a16:creationId xmlns:a16="http://schemas.microsoft.com/office/drawing/2014/main" id="{2FDAC8C5-9609-061E-2250-769F43ADA9F3}"/>
             </a:ext>
           </a:extLst>
         </p:cNvPr>
@@ -4461,7 +4444,7 @@
           <p:cNvPr id="1031" name="Rectangle 1030">
             <a:extLst>
               <a:ext uri="{FF2B5EF4-FFF2-40B4-BE49-F238E27FC236}">
-                <a16:creationId xmlns:a16="http://schemas.microsoft.com/office/drawing/2014/main" id="{42141513-6D1A-4443-1E65-94B6A57328C7}"/>
+                <a16:creationId xmlns:a16="http://schemas.microsoft.com/office/drawing/2014/main" id="{875AE0CE-9D33-8625-4B5A-4E10FE56E824}"/>
               </a:ext>
               <a:ext uri="{C183D7F6-B498-43B3-948B-1728B52AA6E4}">
                 <adec:decorative xmlns:adec="http://schemas.microsoft.com/office/drawing/2017/decorative" val="1"/>
@@ -4521,7 +4504,7 @@
           <p:cNvPr id="1033" name="Rectangle 1032">
             <a:extLst>
               <a:ext uri="{FF2B5EF4-FFF2-40B4-BE49-F238E27FC236}">
-                <a16:creationId xmlns:a16="http://schemas.microsoft.com/office/drawing/2014/main" id="{19FD67F3-ECC8-6C5A-0490-A10AB446FCD3}"/>
+                <a16:creationId xmlns:a16="http://schemas.microsoft.com/office/drawing/2014/main" id="{9BEC81FC-BDEE-1E45-023D-9282AF5E0657}"/>
               </a:ext>
               <a:ext uri="{C183D7F6-B498-43B3-948B-1728B52AA6E4}">
                 <adec:decorative xmlns:adec="http://schemas.microsoft.com/office/drawing/2017/decorative" val="1"/>
@@ -4602,7 +4585,7 @@
           <p:cNvPr id="2" name="Title 1">
             <a:extLst>
               <a:ext uri="{FF2B5EF4-FFF2-40B4-BE49-F238E27FC236}">
-                <a16:creationId xmlns:a16="http://schemas.microsoft.com/office/drawing/2014/main" id="{7737FD0F-E2E5-04FC-4180-2103D4D22742}"/>
+                <a16:creationId xmlns:a16="http://schemas.microsoft.com/office/drawing/2014/main" id="{9DD9B424-6DF8-AB41-A1F8-2B956EE1AD1F}"/>
               </a:ext>
             </a:extLst>
           </p:cNvPr>
@@ -4629,7 +4612,19 @@
               <a:rPr lang="en-US" sz="5200" b="1" dirty="0">
                 <a:latin typeface="Monaco" pitchFamily="2" charset="77"/>
               </a:rPr>
-              <a:t>Tech Stack</a:t>
+              <a:t>Why </a:t>
+            </a:r>
+            <a:r>
+              <a:rPr lang="en-US" sz="5200" b="1" dirty="0" err="1">
+                <a:latin typeface="Monaco" pitchFamily="2" charset="77"/>
+              </a:rPr>
+              <a:t>LeetWrite</a:t>
+            </a:r>
+            <a:r>
+              <a:rPr lang="en-US" sz="5200" b="1" dirty="0">
+                <a:latin typeface="Monaco" pitchFamily="2" charset="77"/>
+              </a:rPr>
+              <a:t>?</a:t>
             </a:r>
           </a:p>
         </p:txBody>
@@ -4639,7 +4634,7 @@
           <p:cNvPr id="1035" name="Rectangle 1034">
             <a:extLst>
               <a:ext uri="{FF2B5EF4-FFF2-40B4-BE49-F238E27FC236}">
-                <a16:creationId xmlns:a16="http://schemas.microsoft.com/office/drawing/2014/main" id="{B2ABCD60-C60F-4779-12DF-2CA689DD6F89}"/>
+                <a16:creationId xmlns:a16="http://schemas.microsoft.com/office/drawing/2014/main" id="{75F261A6-E47E-A591-EB1F-79A3D7FBECF9}"/>
               </a:ext>
               <a:ext uri="{C183D7F6-B498-43B3-948B-1728B52AA6E4}">
                 <adec:decorative xmlns:adec="http://schemas.microsoft.com/office/drawing/2017/decorative" val="1"/>
@@ -4720,7 +4715,7 @@
           <p:cNvPr id="7" name="Subtitle 2">
             <a:extLst>
               <a:ext uri="{FF2B5EF4-FFF2-40B4-BE49-F238E27FC236}">
-                <a16:creationId xmlns:a16="http://schemas.microsoft.com/office/drawing/2014/main" id="{77C44396-28C9-9470-A4EC-433CC38FC33D}"/>
+                <a16:creationId xmlns:a16="http://schemas.microsoft.com/office/drawing/2014/main" id="{46901A26-930D-C5D3-9FA2-B7047EE88C9A}"/>
               </a:ext>
             </a:extLst>
           </p:cNvPr>
@@ -4733,8 +4728,8 @@
         </p:nvSpPr>
         <p:spPr>
           <a:xfrm>
-            <a:off x="771284" y="1386840"/>
-            <a:ext cx="10646379" cy="1892798"/>
+            <a:off x="771284" y="1060600"/>
+            <a:ext cx="10646379" cy="3500383"/>
           </a:xfrm>
         </p:spPr>
         <p:txBody>
@@ -4748,20 +4743,17 @@
               <a:buChar char="-"/>
             </a:pPr>
             <a:r>
-              <a:rPr lang="en-US" dirty="0">
+              <a:rPr lang="en-US" b="1" u="sng" dirty="0">
                 <a:latin typeface="Monaco" pitchFamily="2" charset="77"/>
               </a:rPr>
-              <a:t>Backend: Express + </a:t>
-            </a:r>
-            <a:r>
-              <a:rPr lang="en-US" dirty="0" err="1">
+              <a:t>Real Life</a:t>
+            </a:r>
+            <a:r>
+              <a:rPr lang="en-US" b="1" dirty="0">
                 <a:latin typeface="Monaco" pitchFamily="2" charset="77"/>
               </a:rPr>
-              <a:t>Socket.IO</a:t>
-            </a:r>
-            <a:endParaRPr lang="en-US" dirty="0">
-              <a:latin typeface="Monaco" pitchFamily="2" charset="77"/>
-            </a:endParaRPr>
+              <a:t>: Read and debug existing code</a:t>
+            </a:r>
           </a:p>
           <a:p>
             <a:pPr marL="342900" indent="-342900" algn="l">
@@ -4769,10 +4761,16 @@
               <a:buChar char="-"/>
             </a:pPr>
             <a:r>
-              <a:rPr lang="en-US" dirty="0">
+              <a:rPr lang="en-US" b="1" u="sng" dirty="0">
                 <a:latin typeface="Monaco" pitchFamily="2" charset="77"/>
               </a:rPr>
-              <a:t>Data Storage: MongoDB Atlas</a:t>
+              <a:t>Legacy Code</a:t>
+            </a:r>
+            <a:r>
+              <a:rPr lang="en-US" b="1" dirty="0">
+                <a:latin typeface="Monaco" pitchFamily="2" charset="77"/>
+              </a:rPr>
+              <a:t>: Must reverse-engineer to reconstruct the intention</a:t>
             </a:r>
           </a:p>
           <a:p>
@@ -4781,10 +4779,16 @@
               <a:buChar char="-"/>
             </a:pPr>
             <a:r>
-              <a:rPr lang="en-US" dirty="0">
+              <a:rPr lang="en-US" b="1" u="sng" dirty="0">
                 <a:latin typeface="Monaco" pitchFamily="2" charset="77"/>
               </a:rPr>
-              <a:t>LLM: OpenAI’s GPT-4o-mini</a:t>
+              <a:t>Code Reviews</a:t>
+            </a:r>
+            <a:r>
+              <a:rPr lang="en-US" b="1" dirty="0">
+                <a:latin typeface="Monaco" pitchFamily="2" charset="77"/>
+              </a:rPr>
+              <a:t>: Must understand code written by another engineer</a:t>
             </a:r>
           </a:p>
           <a:p>
@@ -4793,262 +4797,24 @@
               <a:buChar char="-"/>
             </a:pPr>
             <a:r>
-              <a:rPr lang="en-US" dirty="0">
+              <a:rPr lang="en-US" b="1" u="sng" dirty="0">
                 <a:latin typeface="Monaco" pitchFamily="2" charset="77"/>
               </a:rPr>
-              <a:t>Frontend: </a:t>
-            </a:r>
-            <a:r>
-              <a:rPr lang="en-US" dirty="0" err="1">
+              <a:t>Deeper Understanding</a:t>
+            </a:r>
+            <a:r>
+              <a:rPr lang="en-US" b="1" dirty="0">
                 <a:latin typeface="Monaco" pitchFamily="2" charset="77"/>
               </a:rPr>
-              <a:t>Next.JS</a:t>
-            </a:r>
-            <a:endParaRPr lang="en-US" dirty="0">
-              <a:latin typeface="Monaco" pitchFamily="2" charset="77"/>
-            </a:endParaRPr>
-          </a:p>
-        </p:txBody>
-      </p:sp>
-      <p:pic>
-        <p:nvPicPr>
-          <p:cNvPr id="7170" name="Picture 2" descr="What is the ExpressJS Framework? | Extern Labs Blog">
-            <a:extLst>
-              <a:ext uri="{FF2B5EF4-FFF2-40B4-BE49-F238E27FC236}">
-                <a16:creationId xmlns:a16="http://schemas.microsoft.com/office/drawing/2014/main" id="{BF67E5E8-A6D5-4B1D-4EFE-F3C61E9E333D}"/>
-              </a:ext>
-            </a:extLst>
-          </p:cNvPr>
-          <p:cNvPicPr>
-            <a:picLocks noChangeAspect="1" noChangeArrowheads="1"/>
-          </p:cNvPicPr>
-          <p:nvPr/>
-        </p:nvPicPr>
-        <p:blipFill>
-          <a:blip r:embed="rId2">
-            <a:extLst>
-              <a:ext uri="{28A0092B-C50C-407E-A947-70E740481C1C}">
-                <a14:useLocalDpi xmlns:a14="http://schemas.microsoft.com/office/drawing/2010/main" val="0"/>
-              </a:ext>
-            </a:extLst>
-          </a:blip>
-          <a:srcRect/>
-          <a:stretch>
-            <a:fillRect/>
-          </a:stretch>
-        </p:blipFill>
-        <p:spPr bwMode="auto">
-          <a:xfrm>
-            <a:off x="539498" y="4078214"/>
-            <a:ext cx="4114800" cy="1981200"/>
-          </a:xfrm>
-          <a:prstGeom prst="rect">
-            <a:avLst/>
-          </a:prstGeom>
-          <a:noFill/>
-          <a:extLst>
-            <a:ext uri="{909E8E84-426E-40DD-AFC4-6F175D3DCCD1}">
-              <a14:hiddenFill xmlns:a14="http://schemas.microsoft.com/office/drawing/2010/main">
-                <a:solidFill>
-                  <a:srgbClr val="FFFFFF"/>
-                </a:solidFill>
-              </a14:hiddenFill>
-            </a:ext>
-          </a:extLst>
-        </p:spPr>
-      </p:pic>
-      <p:pic>
-        <p:nvPicPr>
-          <p:cNvPr id="7172" name="Picture 4" descr="What's new in SocketIO 4?">
-            <a:extLst>
-              <a:ext uri="{FF2B5EF4-FFF2-40B4-BE49-F238E27FC236}">
-                <a16:creationId xmlns:a16="http://schemas.microsoft.com/office/drawing/2014/main" id="{FBA8FF09-0B67-AE93-9F12-737A5D01B500}"/>
-              </a:ext>
-            </a:extLst>
-          </p:cNvPr>
-          <p:cNvPicPr>
-            <a:picLocks noChangeAspect="1" noChangeArrowheads="1"/>
-          </p:cNvPicPr>
-          <p:nvPr/>
-        </p:nvPicPr>
-        <p:blipFill>
-          <a:blip r:embed="rId3">
-            <a:extLst>
-              <a:ext uri="{28A0092B-C50C-407E-A947-70E740481C1C}">
-                <a14:useLocalDpi xmlns:a14="http://schemas.microsoft.com/office/drawing/2010/main" val="0"/>
-              </a:ext>
-            </a:extLst>
-          </a:blip>
-          <a:srcRect/>
-          <a:stretch>
-            <a:fillRect/>
-          </a:stretch>
-        </p:blipFill>
-        <p:spPr bwMode="auto">
-          <a:xfrm>
-            <a:off x="8206065" y="451856"/>
-            <a:ext cx="3796959" cy="1781802"/>
-          </a:xfrm>
-          <a:prstGeom prst="rect">
-            <a:avLst/>
-          </a:prstGeom>
-          <a:noFill/>
-          <a:extLst>
-            <a:ext uri="{909E8E84-426E-40DD-AFC4-6F175D3DCCD1}">
-              <a14:hiddenFill xmlns:a14="http://schemas.microsoft.com/office/drawing/2010/main">
-                <a:solidFill>
-                  <a:srgbClr val="FFFFFF"/>
-                </a:solidFill>
-              </a14:hiddenFill>
-            </a:ext>
-          </a:extLst>
-        </p:spPr>
-      </p:pic>
-      <p:pic>
-        <p:nvPicPr>
-          <p:cNvPr id="7174" name="Picture 6" descr="AWS Marketplace: MongoDB Atlas (pay-as-you-go)">
-            <a:extLst>
-              <a:ext uri="{FF2B5EF4-FFF2-40B4-BE49-F238E27FC236}">
-                <a16:creationId xmlns:a16="http://schemas.microsoft.com/office/drawing/2014/main" id="{423BE290-54C8-CB0A-453A-A1D72DD5BED0}"/>
-              </a:ext>
-            </a:extLst>
-          </p:cNvPr>
-          <p:cNvPicPr>
-            <a:picLocks noChangeAspect="1" noChangeArrowheads="1"/>
-          </p:cNvPicPr>
-          <p:nvPr/>
-        </p:nvPicPr>
-        <p:blipFill>
-          <a:blip r:embed="rId4">
-            <a:extLst>
-              <a:ext uri="{28A0092B-C50C-407E-A947-70E740481C1C}">
-                <a14:useLocalDpi xmlns:a14="http://schemas.microsoft.com/office/drawing/2010/main" val="0"/>
-              </a:ext>
-            </a:extLst>
-          </a:blip>
-          <a:srcRect/>
-          <a:stretch>
-            <a:fillRect/>
-          </a:stretch>
-        </p:blipFill>
-        <p:spPr bwMode="auto">
-          <a:xfrm>
-            <a:off x="7339074" y="2491597"/>
-            <a:ext cx="4660900" cy="1739900"/>
-          </a:xfrm>
-          <a:prstGeom prst="rect">
-            <a:avLst/>
-          </a:prstGeom>
-          <a:noFill/>
-          <a:extLst>
-            <a:ext uri="{909E8E84-426E-40DD-AFC4-6F175D3DCCD1}">
-              <a14:hiddenFill xmlns:a14="http://schemas.microsoft.com/office/drawing/2010/main">
-                <a:solidFill>
-                  <a:srgbClr val="FFFFFF"/>
-                </a:solidFill>
-              </a14:hiddenFill>
-            </a:ext>
-          </a:extLst>
-        </p:spPr>
-      </p:pic>
-      <p:pic>
-        <p:nvPicPr>
-          <p:cNvPr id="7176" name="Picture 8" descr="Stream OpenAI music | Listen to songs, albums, playlists for free on  SoundCloud">
-            <a:extLst>
-              <a:ext uri="{FF2B5EF4-FFF2-40B4-BE49-F238E27FC236}">
-                <a16:creationId xmlns:a16="http://schemas.microsoft.com/office/drawing/2014/main" id="{FB9A28D3-54E0-A8F8-A5B8-A45C3F847566}"/>
-              </a:ext>
-            </a:extLst>
-          </p:cNvPr>
-          <p:cNvPicPr>
-            <a:picLocks noChangeAspect="1" noChangeArrowheads="1"/>
-          </p:cNvPicPr>
-          <p:nvPr/>
-        </p:nvPicPr>
-        <p:blipFill>
-          <a:blip r:embed="rId5">
-            <a:extLst>
-              <a:ext uri="{28A0092B-C50C-407E-A947-70E740481C1C}">
-                <a14:useLocalDpi xmlns:a14="http://schemas.microsoft.com/office/drawing/2010/main" val="0"/>
-              </a:ext>
-            </a:extLst>
-          </a:blip>
-          <a:srcRect/>
-          <a:stretch>
-            <a:fillRect/>
-          </a:stretch>
-        </p:blipFill>
-        <p:spPr bwMode="auto">
-          <a:xfrm>
-            <a:off x="4956842" y="4666478"/>
-            <a:ext cx="1906128" cy="1906128"/>
-          </a:xfrm>
-          <a:prstGeom prst="rect">
-            <a:avLst/>
-          </a:prstGeom>
-          <a:noFill/>
-          <a:extLst>
-            <a:ext uri="{909E8E84-426E-40DD-AFC4-6F175D3DCCD1}">
-              <a14:hiddenFill xmlns:a14="http://schemas.microsoft.com/office/drawing/2010/main">
-                <a:solidFill>
-                  <a:srgbClr val="FFFFFF"/>
-                </a:solidFill>
-              </a14:hiddenFill>
-            </a:ext>
-          </a:extLst>
-        </p:spPr>
-      </p:pic>
-      <p:pic>
-        <p:nvPicPr>
-          <p:cNvPr id="7178" name="Picture 10" descr="What's New in Next.js 13? 10 Picks of the Best Features">
-            <a:extLst>
-              <a:ext uri="{FF2B5EF4-FFF2-40B4-BE49-F238E27FC236}">
-                <a16:creationId xmlns:a16="http://schemas.microsoft.com/office/drawing/2014/main" id="{69DFC194-AA94-4867-7D56-9DBB41E2C3C4}"/>
-              </a:ext>
-            </a:extLst>
-          </p:cNvPr>
-          <p:cNvPicPr>
-            <a:picLocks noChangeAspect="1" noChangeArrowheads="1"/>
-          </p:cNvPicPr>
-          <p:nvPr/>
-        </p:nvPicPr>
-        <p:blipFill>
-          <a:blip r:embed="rId6">
-            <a:extLst>
-              <a:ext uri="{28A0092B-C50C-407E-A947-70E740481C1C}">
-                <a14:useLocalDpi xmlns:a14="http://schemas.microsoft.com/office/drawing/2010/main" val="0"/>
-              </a:ext>
-            </a:extLst>
-          </a:blip>
-          <a:srcRect/>
-          <a:stretch>
-            <a:fillRect/>
-          </a:stretch>
-        </p:blipFill>
-        <p:spPr bwMode="auto">
-          <a:xfrm>
-            <a:off x="7339074" y="4647369"/>
-            <a:ext cx="3017520" cy="1810512"/>
-          </a:xfrm>
-          <a:prstGeom prst="rect">
-            <a:avLst/>
-          </a:prstGeom>
-          <a:noFill/>
-          <a:extLst>
-            <a:ext uri="{909E8E84-426E-40DD-AFC4-6F175D3DCCD1}">
-              <a14:hiddenFill xmlns:a14="http://schemas.microsoft.com/office/drawing/2010/main">
-                <a:solidFill>
-                  <a:srgbClr val="FFFFFF"/>
-                </a:solidFill>
-              </a14:hiddenFill>
-            </a:ext>
-          </a:extLst>
-        </p:spPr>
-      </p:pic>
+              <a:t>: Forces you to articulate your ideas</a:t>
+            </a:r>
+          </a:p>
+        </p:txBody>
+      </p:sp>
     </p:spTree>
     <p:extLst>
       <p:ext uri="{BB962C8B-B14F-4D97-AF65-F5344CB8AC3E}">
-        <p14:creationId xmlns:p14="http://schemas.microsoft.com/office/powerpoint/2010/main" val="3845340646"/>
+        <p14:creationId xmlns:p14="http://schemas.microsoft.com/office/powerpoint/2010/main" val="640918417"/>
       </p:ext>
     </p:extLst>
   </p:cSld>
@@ -5074,7 +4840,7 @@
         <p:cNvPr id="1" name="">
           <a:extLst>
             <a:ext uri="{FF2B5EF4-FFF2-40B4-BE49-F238E27FC236}">
-              <a16:creationId xmlns:a16="http://schemas.microsoft.com/office/drawing/2014/main" id="{8CA7B0A9-9716-CBA3-36BB-A42393FB2CBE}"/>
+              <a16:creationId xmlns:a16="http://schemas.microsoft.com/office/drawing/2014/main" id="{45EC49AA-E6E4-EB24-510B-BB8288F3FD89}"/>
             </a:ext>
           </a:extLst>
         </p:cNvPr>
@@ -5094,7 +4860,7 @@
           <p:cNvPr id="1031" name="Rectangle 1030">
             <a:extLst>
               <a:ext uri="{FF2B5EF4-FFF2-40B4-BE49-F238E27FC236}">
-                <a16:creationId xmlns:a16="http://schemas.microsoft.com/office/drawing/2014/main" id="{73F89456-E953-4AF8-8AEC-549B8DB1F464}"/>
+                <a16:creationId xmlns:a16="http://schemas.microsoft.com/office/drawing/2014/main" id="{42141513-6D1A-4443-1E65-94B6A57328C7}"/>
               </a:ext>
               <a:ext uri="{C183D7F6-B498-43B3-948B-1728B52AA6E4}">
                 <adec:decorative xmlns:adec="http://schemas.microsoft.com/office/drawing/2017/decorative" val="1"/>
@@ -5154,7 +4920,7 @@
           <p:cNvPr id="1033" name="Rectangle 1032">
             <a:extLst>
               <a:ext uri="{FF2B5EF4-FFF2-40B4-BE49-F238E27FC236}">
-                <a16:creationId xmlns:a16="http://schemas.microsoft.com/office/drawing/2014/main" id="{13D4533A-31BD-2E30-40C3-11069C79020E}"/>
+                <a16:creationId xmlns:a16="http://schemas.microsoft.com/office/drawing/2014/main" id="{19FD67F3-ECC8-6C5A-0490-A10AB446FCD3}"/>
               </a:ext>
               <a:ext uri="{C183D7F6-B498-43B3-948B-1728B52AA6E4}">
                 <adec:decorative xmlns:adec="http://schemas.microsoft.com/office/drawing/2017/decorative" val="1"/>
@@ -5235,7 +5001,7 @@
           <p:cNvPr id="2" name="Title 1">
             <a:extLst>
               <a:ext uri="{FF2B5EF4-FFF2-40B4-BE49-F238E27FC236}">
-                <a16:creationId xmlns:a16="http://schemas.microsoft.com/office/drawing/2014/main" id="{FE26EA54-AD3C-55B1-6213-FE586F71AACC}"/>
+                <a16:creationId xmlns:a16="http://schemas.microsoft.com/office/drawing/2014/main" id="{7737FD0F-E2E5-04FC-4180-2103D4D22742}"/>
               </a:ext>
             </a:extLst>
           </p:cNvPr>
@@ -5262,7 +5028,7 @@
               <a:rPr lang="en-US" sz="5200" b="1" dirty="0">
                 <a:latin typeface="Monaco" pitchFamily="2" charset="77"/>
               </a:rPr>
-              <a:t>Demo</a:t>
+              <a:t>Tech Stack</a:t>
             </a:r>
           </a:p>
         </p:txBody>
@@ -5272,7 +5038,7 @@
           <p:cNvPr id="1035" name="Rectangle 1034">
             <a:extLst>
               <a:ext uri="{FF2B5EF4-FFF2-40B4-BE49-F238E27FC236}">
-                <a16:creationId xmlns:a16="http://schemas.microsoft.com/office/drawing/2014/main" id="{283D993D-7B7C-237D-7D4A-F09A3D0CF9F9}"/>
+                <a16:creationId xmlns:a16="http://schemas.microsoft.com/office/drawing/2014/main" id="{B2ABCD60-C60F-4779-12DF-2CA689DD6F89}"/>
               </a:ext>
               <a:ext uri="{C183D7F6-B498-43B3-948B-1728B52AA6E4}">
                 <adec:decorative xmlns:adec="http://schemas.microsoft.com/office/drawing/2017/decorative" val="1"/>
@@ -5350,6 +5116,639 @@
       </p:sp>
       <p:sp>
         <p:nvSpPr>
+          <p:cNvPr id="7" name="Subtitle 2">
+            <a:extLst>
+              <a:ext uri="{FF2B5EF4-FFF2-40B4-BE49-F238E27FC236}">
+                <a16:creationId xmlns:a16="http://schemas.microsoft.com/office/drawing/2014/main" id="{77C44396-28C9-9470-A4EC-433CC38FC33D}"/>
+              </a:ext>
+            </a:extLst>
+          </p:cNvPr>
+          <p:cNvSpPr>
+            <a:spLocks noGrp="1"/>
+          </p:cNvSpPr>
+          <p:nvPr>
+            <p:ph type="subTitle" idx="1"/>
+          </p:nvPr>
+        </p:nvSpPr>
+        <p:spPr>
+          <a:xfrm>
+            <a:off x="771284" y="1386840"/>
+            <a:ext cx="10646379" cy="1892798"/>
+          </a:xfrm>
+        </p:spPr>
+        <p:txBody>
+          <a:bodyPr anchor="b">
+            <a:normAutofit/>
+          </a:bodyPr>
+          <a:lstStyle/>
+          <a:p>
+            <a:pPr marL="342900" indent="-342900" algn="l">
+              <a:buFontTx/>
+              <a:buChar char="-"/>
+            </a:pPr>
+            <a:r>
+              <a:rPr lang="en-US" dirty="0">
+                <a:latin typeface="Monaco" pitchFamily="2" charset="77"/>
+              </a:rPr>
+              <a:t>Backend: Express + </a:t>
+            </a:r>
+            <a:r>
+              <a:rPr lang="en-US" dirty="0" err="1">
+                <a:latin typeface="Monaco" pitchFamily="2" charset="77"/>
+              </a:rPr>
+              <a:t>Socket.IO</a:t>
+            </a:r>
+            <a:endParaRPr lang="en-US" dirty="0">
+              <a:latin typeface="Monaco" pitchFamily="2" charset="77"/>
+            </a:endParaRPr>
+          </a:p>
+          <a:p>
+            <a:pPr marL="342900" indent="-342900" algn="l">
+              <a:buFontTx/>
+              <a:buChar char="-"/>
+            </a:pPr>
+            <a:r>
+              <a:rPr lang="en-US" dirty="0">
+                <a:latin typeface="Monaco" pitchFamily="2" charset="77"/>
+              </a:rPr>
+              <a:t>Data Storage: MongoDB Atlas</a:t>
+            </a:r>
+          </a:p>
+          <a:p>
+            <a:pPr marL="342900" indent="-342900" algn="l">
+              <a:buFontTx/>
+              <a:buChar char="-"/>
+            </a:pPr>
+            <a:r>
+              <a:rPr lang="en-US" dirty="0">
+                <a:latin typeface="Monaco" pitchFamily="2" charset="77"/>
+              </a:rPr>
+              <a:t>LLM: OpenAI’s GPT-4o-mini</a:t>
+            </a:r>
+          </a:p>
+          <a:p>
+            <a:pPr marL="342900" indent="-342900" algn="l">
+              <a:buFontTx/>
+              <a:buChar char="-"/>
+            </a:pPr>
+            <a:r>
+              <a:rPr lang="en-US" dirty="0">
+                <a:latin typeface="Monaco" pitchFamily="2" charset="77"/>
+              </a:rPr>
+              <a:t>Frontend: </a:t>
+            </a:r>
+            <a:r>
+              <a:rPr lang="en-US" dirty="0" err="1">
+                <a:latin typeface="Monaco" pitchFamily="2" charset="77"/>
+              </a:rPr>
+              <a:t>Next.JS</a:t>
+            </a:r>
+            <a:endParaRPr lang="en-US" dirty="0">
+              <a:latin typeface="Monaco" pitchFamily="2" charset="77"/>
+            </a:endParaRPr>
+          </a:p>
+        </p:txBody>
+      </p:sp>
+      <p:pic>
+        <p:nvPicPr>
+          <p:cNvPr id="7170" name="Picture 2" descr="What is the ExpressJS Framework? | Extern Labs Blog">
+            <a:extLst>
+              <a:ext uri="{FF2B5EF4-FFF2-40B4-BE49-F238E27FC236}">
+                <a16:creationId xmlns:a16="http://schemas.microsoft.com/office/drawing/2014/main" id="{BF67E5E8-A6D5-4B1D-4EFE-F3C61E9E333D}"/>
+              </a:ext>
+            </a:extLst>
+          </p:cNvPr>
+          <p:cNvPicPr>
+            <a:picLocks noChangeAspect="1" noChangeArrowheads="1"/>
+          </p:cNvPicPr>
+          <p:nvPr/>
+        </p:nvPicPr>
+        <p:blipFill>
+          <a:blip r:embed="rId2">
+            <a:extLst>
+              <a:ext uri="{28A0092B-C50C-407E-A947-70E740481C1C}">
+                <a14:useLocalDpi xmlns:a14="http://schemas.microsoft.com/office/drawing/2010/main" val="0"/>
+              </a:ext>
+            </a:extLst>
+          </a:blip>
+          <a:srcRect/>
+          <a:stretch>
+            <a:fillRect/>
+          </a:stretch>
+        </p:blipFill>
+        <p:spPr bwMode="auto">
+          <a:xfrm>
+            <a:off x="539498" y="4078214"/>
+            <a:ext cx="4114800" cy="1981200"/>
+          </a:xfrm>
+          <a:prstGeom prst="rect">
+            <a:avLst/>
+          </a:prstGeom>
+          <a:noFill/>
+          <a:extLst>
+            <a:ext uri="{909E8E84-426E-40DD-AFC4-6F175D3DCCD1}">
+              <a14:hiddenFill xmlns:a14="http://schemas.microsoft.com/office/drawing/2010/main">
+                <a:solidFill>
+                  <a:srgbClr val="FFFFFF"/>
+                </a:solidFill>
+              </a14:hiddenFill>
+            </a:ext>
+          </a:extLst>
+        </p:spPr>
+      </p:pic>
+      <p:pic>
+        <p:nvPicPr>
+          <p:cNvPr id="7172" name="Picture 4" descr="What's new in SocketIO 4?">
+            <a:extLst>
+              <a:ext uri="{FF2B5EF4-FFF2-40B4-BE49-F238E27FC236}">
+                <a16:creationId xmlns:a16="http://schemas.microsoft.com/office/drawing/2014/main" id="{FBA8FF09-0B67-AE93-9F12-737A5D01B500}"/>
+              </a:ext>
+            </a:extLst>
+          </p:cNvPr>
+          <p:cNvPicPr>
+            <a:picLocks noChangeAspect="1" noChangeArrowheads="1"/>
+          </p:cNvPicPr>
+          <p:nvPr/>
+        </p:nvPicPr>
+        <p:blipFill>
+          <a:blip r:embed="rId3">
+            <a:extLst>
+              <a:ext uri="{28A0092B-C50C-407E-A947-70E740481C1C}">
+                <a14:useLocalDpi xmlns:a14="http://schemas.microsoft.com/office/drawing/2010/main" val="0"/>
+              </a:ext>
+            </a:extLst>
+          </a:blip>
+          <a:srcRect/>
+          <a:stretch>
+            <a:fillRect/>
+          </a:stretch>
+        </p:blipFill>
+        <p:spPr bwMode="auto">
+          <a:xfrm>
+            <a:off x="8206065" y="451856"/>
+            <a:ext cx="3796959" cy="1781802"/>
+          </a:xfrm>
+          <a:prstGeom prst="rect">
+            <a:avLst/>
+          </a:prstGeom>
+          <a:noFill/>
+          <a:extLst>
+            <a:ext uri="{909E8E84-426E-40DD-AFC4-6F175D3DCCD1}">
+              <a14:hiddenFill xmlns:a14="http://schemas.microsoft.com/office/drawing/2010/main">
+                <a:solidFill>
+                  <a:srgbClr val="FFFFFF"/>
+                </a:solidFill>
+              </a14:hiddenFill>
+            </a:ext>
+          </a:extLst>
+        </p:spPr>
+      </p:pic>
+      <p:pic>
+        <p:nvPicPr>
+          <p:cNvPr id="7174" name="Picture 6" descr="AWS Marketplace: MongoDB Atlas (pay-as-you-go)">
+            <a:extLst>
+              <a:ext uri="{FF2B5EF4-FFF2-40B4-BE49-F238E27FC236}">
+                <a16:creationId xmlns:a16="http://schemas.microsoft.com/office/drawing/2014/main" id="{423BE290-54C8-CB0A-453A-A1D72DD5BED0}"/>
+              </a:ext>
+            </a:extLst>
+          </p:cNvPr>
+          <p:cNvPicPr>
+            <a:picLocks noChangeAspect="1" noChangeArrowheads="1"/>
+          </p:cNvPicPr>
+          <p:nvPr/>
+        </p:nvPicPr>
+        <p:blipFill>
+          <a:blip r:embed="rId4">
+            <a:extLst>
+              <a:ext uri="{28A0092B-C50C-407E-A947-70E740481C1C}">
+                <a14:useLocalDpi xmlns:a14="http://schemas.microsoft.com/office/drawing/2010/main" val="0"/>
+              </a:ext>
+            </a:extLst>
+          </a:blip>
+          <a:srcRect/>
+          <a:stretch>
+            <a:fillRect/>
+          </a:stretch>
+        </p:blipFill>
+        <p:spPr bwMode="auto">
+          <a:xfrm>
+            <a:off x="7339074" y="2491597"/>
+            <a:ext cx="4660900" cy="1739900"/>
+          </a:xfrm>
+          <a:prstGeom prst="rect">
+            <a:avLst/>
+          </a:prstGeom>
+          <a:noFill/>
+          <a:extLst>
+            <a:ext uri="{909E8E84-426E-40DD-AFC4-6F175D3DCCD1}">
+              <a14:hiddenFill xmlns:a14="http://schemas.microsoft.com/office/drawing/2010/main">
+                <a:solidFill>
+                  <a:srgbClr val="FFFFFF"/>
+                </a:solidFill>
+              </a14:hiddenFill>
+            </a:ext>
+          </a:extLst>
+        </p:spPr>
+      </p:pic>
+      <p:pic>
+        <p:nvPicPr>
+          <p:cNvPr id="7176" name="Picture 8" descr="Stream OpenAI music | Listen to songs, albums, playlists for free on  SoundCloud">
+            <a:extLst>
+              <a:ext uri="{FF2B5EF4-FFF2-40B4-BE49-F238E27FC236}">
+                <a16:creationId xmlns:a16="http://schemas.microsoft.com/office/drawing/2014/main" id="{FB9A28D3-54E0-A8F8-A5B8-A45C3F847566}"/>
+              </a:ext>
+            </a:extLst>
+          </p:cNvPr>
+          <p:cNvPicPr>
+            <a:picLocks noChangeAspect="1" noChangeArrowheads="1"/>
+          </p:cNvPicPr>
+          <p:nvPr/>
+        </p:nvPicPr>
+        <p:blipFill>
+          <a:blip r:embed="rId5">
+            <a:extLst>
+              <a:ext uri="{28A0092B-C50C-407E-A947-70E740481C1C}">
+                <a14:useLocalDpi xmlns:a14="http://schemas.microsoft.com/office/drawing/2010/main" val="0"/>
+              </a:ext>
+            </a:extLst>
+          </a:blip>
+          <a:srcRect/>
+          <a:stretch>
+            <a:fillRect/>
+          </a:stretch>
+        </p:blipFill>
+        <p:spPr bwMode="auto">
+          <a:xfrm>
+            <a:off x="4956842" y="4666478"/>
+            <a:ext cx="1906128" cy="1906128"/>
+          </a:xfrm>
+          <a:prstGeom prst="rect">
+            <a:avLst/>
+          </a:prstGeom>
+          <a:noFill/>
+          <a:extLst>
+            <a:ext uri="{909E8E84-426E-40DD-AFC4-6F175D3DCCD1}">
+              <a14:hiddenFill xmlns:a14="http://schemas.microsoft.com/office/drawing/2010/main">
+                <a:solidFill>
+                  <a:srgbClr val="FFFFFF"/>
+                </a:solidFill>
+              </a14:hiddenFill>
+            </a:ext>
+          </a:extLst>
+        </p:spPr>
+      </p:pic>
+      <p:pic>
+        <p:nvPicPr>
+          <p:cNvPr id="7178" name="Picture 10" descr="What's New in Next.js 13? 10 Picks of the Best Features">
+            <a:extLst>
+              <a:ext uri="{FF2B5EF4-FFF2-40B4-BE49-F238E27FC236}">
+                <a16:creationId xmlns:a16="http://schemas.microsoft.com/office/drawing/2014/main" id="{69DFC194-AA94-4867-7D56-9DBB41E2C3C4}"/>
+              </a:ext>
+            </a:extLst>
+          </p:cNvPr>
+          <p:cNvPicPr>
+            <a:picLocks noChangeAspect="1" noChangeArrowheads="1"/>
+          </p:cNvPicPr>
+          <p:nvPr/>
+        </p:nvPicPr>
+        <p:blipFill>
+          <a:blip r:embed="rId6">
+            <a:extLst>
+              <a:ext uri="{28A0092B-C50C-407E-A947-70E740481C1C}">
+                <a14:useLocalDpi xmlns:a14="http://schemas.microsoft.com/office/drawing/2010/main" val="0"/>
+              </a:ext>
+            </a:extLst>
+          </a:blip>
+          <a:srcRect/>
+          <a:stretch>
+            <a:fillRect/>
+          </a:stretch>
+        </p:blipFill>
+        <p:spPr bwMode="auto">
+          <a:xfrm>
+            <a:off x="7339074" y="4647369"/>
+            <a:ext cx="3017520" cy="1810512"/>
+          </a:xfrm>
+          <a:prstGeom prst="rect">
+            <a:avLst/>
+          </a:prstGeom>
+          <a:noFill/>
+          <a:extLst>
+            <a:ext uri="{909E8E84-426E-40DD-AFC4-6F175D3DCCD1}">
+              <a14:hiddenFill xmlns:a14="http://schemas.microsoft.com/office/drawing/2010/main">
+                <a:solidFill>
+                  <a:srgbClr val="FFFFFF"/>
+                </a:solidFill>
+              </a14:hiddenFill>
+            </a:ext>
+          </a:extLst>
+        </p:spPr>
+      </p:pic>
+    </p:spTree>
+    <p:extLst>
+      <p:ext uri="{BB962C8B-B14F-4D97-AF65-F5344CB8AC3E}">
+        <p14:creationId xmlns:p14="http://schemas.microsoft.com/office/powerpoint/2010/main" val="3845340646"/>
+      </p:ext>
+    </p:extLst>
+  </p:cSld>
+  <p:clrMapOvr>
+    <a:masterClrMapping/>
+  </p:clrMapOvr>
+</p:sld>
+</file>
+
+<file path=ppt/slides/slide5.xml><?xml version="1.0" encoding="utf-8"?>
+<p:sld xmlns:a="http://schemas.openxmlformats.org/drawingml/2006/main" xmlns:r="http://schemas.openxmlformats.org/officeDocument/2006/relationships" xmlns:p="http://schemas.openxmlformats.org/presentationml/2006/main">
+  <p:cSld>
+    <p:bg>
+      <p:bgPr>
+        <a:solidFill>
+          <a:schemeClr val="bg1"/>
+        </a:solidFill>
+        <a:effectLst/>
+      </p:bgPr>
+    </p:bg>
+    <p:spTree>
+      <p:nvGrpSpPr>
+        <p:cNvPr id="1" name="">
+          <a:extLst>
+            <a:ext uri="{FF2B5EF4-FFF2-40B4-BE49-F238E27FC236}">
+              <a16:creationId xmlns:a16="http://schemas.microsoft.com/office/drawing/2014/main" id="{8CA7B0A9-9716-CBA3-36BB-A42393FB2CBE}"/>
+            </a:ext>
+          </a:extLst>
+        </p:cNvPr>
+        <p:cNvGrpSpPr/>
+        <p:nvPr/>
+      </p:nvGrpSpPr>
+      <p:grpSpPr>
+        <a:xfrm>
+          <a:off x="0" y="0"/>
+          <a:ext cx="0" cy="0"/>
+          <a:chOff x="0" y="0"/>
+          <a:chExt cx="0" cy="0"/>
+        </a:xfrm>
+      </p:grpSpPr>
+      <p:sp useBgFill="1">
+        <p:nvSpPr>
+          <p:cNvPr id="1031" name="Rectangle 1030">
+            <a:extLst>
+              <a:ext uri="{FF2B5EF4-FFF2-40B4-BE49-F238E27FC236}">
+                <a16:creationId xmlns:a16="http://schemas.microsoft.com/office/drawing/2014/main" id="{73F89456-E953-4AF8-8AEC-549B8DB1F464}"/>
+              </a:ext>
+              <a:ext uri="{C183D7F6-B498-43B3-948B-1728B52AA6E4}">
+                <adec:decorative xmlns:adec="http://schemas.microsoft.com/office/drawing/2017/decorative" val="1"/>
+              </a:ext>
+            </a:extLst>
+          </p:cNvPr>
+          <p:cNvSpPr>
+            <a:spLocks noGrp="1" noRot="1" noChangeAspect="1" noMove="1" noResize="1" noEditPoints="1" noAdjustHandles="1" noChangeArrowheads="1" noChangeShapeType="1" noTextEdit="1"/>
+          </p:cNvSpPr>
+          <p:nvPr>
+            <p:extLst>
+              <p:ext uri="{386F3935-93C4-4BCD-93E2-E3B085C9AB24}">
+                <p16:designElem xmlns:p16="http://schemas.microsoft.com/office/powerpoint/2015/main" val="1"/>
+              </p:ext>
+            </p:extLst>
+          </p:nvPr>
+        </p:nvSpPr>
+        <p:spPr>
+          <a:xfrm>
+            <a:off x="-1" y="0"/>
+            <a:ext cx="12188952" cy="6858000"/>
+          </a:xfrm>
+          <a:prstGeom prst="rect">
+            <a:avLst/>
+          </a:prstGeom>
+          <a:ln>
+            <a:noFill/>
+          </a:ln>
+        </p:spPr>
+        <p:style>
+          <a:lnRef idx="2">
+            <a:schemeClr val="accent1">
+              <a:shade val="50000"/>
+            </a:schemeClr>
+          </a:lnRef>
+          <a:fillRef idx="1">
+            <a:schemeClr val="accent1"/>
+          </a:fillRef>
+          <a:effectRef idx="0">
+            <a:schemeClr val="accent1"/>
+          </a:effectRef>
+          <a:fontRef idx="minor">
+            <a:schemeClr val="lt1"/>
+          </a:fontRef>
+        </p:style>
+        <p:txBody>
+          <a:bodyPr rtlCol="0" anchor="ctr"/>
+          <a:lstStyle/>
+          <a:p>
+            <a:pPr algn="ctr"/>
+            <a:endParaRPr lang="en-US"/>
+          </a:p>
+        </p:txBody>
+      </p:sp>
+      <p:sp>
+        <p:nvSpPr>
+          <p:cNvPr id="1033" name="Rectangle 1032">
+            <a:extLst>
+              <a:ext uri="{FF2B5EF4-FFF2-40B4-BE49-F238E27FC236}">
+                <a16:creationId xmlns:a16="http://schemas.microsoft.com/office/drawing/2014/main" id="{13D4533A-31BD-2E30-40C3-11069C79020E}"/>
+              </a:ext>
+              <a:ext uri="{C183D7F6-B498-43B3-948B-1728B52AA6E4}">
+                <adec:decorative xmlns:adec="http://schemas.microsoft.com/office/drawing/2017/decorative" val="1"/>
+              </a:ext>
+            </a:extLst>
+          </p:cNvPr>
+          <p:cNvSpPr>
+            <a:spLocks noGrp="1" noRot="1" noChangeAspect="1" noMove="1" noResize="1" noEditPoints="1" noAdjustHandles="1" noChangeArrowheads="1" noChangeShapeType="1" noTextEdit="1"/>
+          </p:cNvSpPr>
+          <p:nvPr>
+            <p:extLst>
+              <p:ext uri="{386F3935-93C4-4BCD-93E2-E3B085C9AB24}">
+                <p16:designElem xmlns:p16="http://schemas.microsoft.com/office/powerpoint/2015/main" val="1"/>
+              </p:ext>
+            </p:extLst>
+          </p:nvPr>
+        </p:nvSpPr>
+        <p:spPr>
+          <a:xfrm rot="16200000">
+            <a:off x="-1103377" y="1100316"/>
+            <a:ext cx="6858003" cy="4657347"/>
+          </a:xfrm>
+          <a:prstGeom prst="rect">
+            <a:avLst/>
+          </a:prstGeom>
+          <a:gradFill flip="none" rotWithShape="1">
+            <a:gsLst>
+              <a:gs pos="48000">
+                <a:srgbClr val="000000">
+                  <a:alpha val="24000"/>
+                </a:srgbClr>
+              </a:gs>
+              <a:gs pos="85000">
+                <a:srgbClr val="000000">
+                  <a:alpha val="45000"/>
+                </a:srgbClr>
+              </a:gs>
+              <a:gs pos="0">
+                <a:srgbClr val="000000">
+                  <a:alpha val="0"/>
+                </a:srgbClr>
+              </a:gs>
+            </a:gsLst>
+            <a:lin ang="16200000" scaled="1"/>
+            <a:tileRect/>
+          </a:gradFill>
+          <a:ln>
+            <a:noFill/>
+          </a:ln>
+        </p:spPr>
+        <p:style>
+          <a:lnRef idx="2">
+            <a:schemeClr val="accent1">
+              <a:shade val="50000"/>
+            </a:schemeClr>
+          </a:lnRef>
+          <a:fillRef idx="1">
+            <a:schemeClr val="accent1"/>
+          </a:fillRef>
+          <a:effectRef idx="0">
+            <a:schemeClr val="accent1"/>
+          </a:effectRef>
+          <a:fontRef idx="minor">
+            <a:schemeClr val="lt1"/>
+          </a:fontRef>
+        </p:style>
+        <p:txBody>
+          <a:bodyPr rtlCol="0" anchor="ctr"/>
+          <a:lstStyle/>
+          <a:p>
+            <a:pPr algn="ctr"/>
+            <a:endParaRPr lang="en-US"/>
+          </a:p>
+        </p:txBody>
+      </p:sp>
+      <p:sp>
+        <p:nvSpPr>
+          <p:cNvPr id="2" name="Title 1">
+            <a:extLst>
+              <a:ext uri="{FF2B5EF4-FFF2-40B4-BE49-F238E27FC236}">
+                <a16:creationId xmlns:a16="http://schemas.microsoft.com/office/drawing/2014/main" id="{FE26EA54-AD3C-55B1-6213-FE586F71AACC}"/>
+              </a:ext>
+            </a:extLst>
+          </p:cNvPr>
+          <p:cNvSpPr>
+            <a:spLocks noGrp="1"/>
+          </p:cNvSpPr>
+          <p:nvPr>
+            <p:ph type="ctrTitle"/>
+          </p:nvPr>
+        </p:nvSpPr>
+        <p:spPr>
+          <a:xfrm>
+            <a:off x="2318850" y="417105"/>
+            <a:ext cx="7551249" cy="744183"/>
+          </a:xfrm>
+        </p:spPr>
+        <p:txBody>
+          <a:bodyPr anchor="t">
+            <a:normAutofit fontScale="90000"/>
+          </a:bodyPr>
+          <a:lstStyle/>
+          <a:p>
+            <a:r>
+              <a:rPr lang="en-US" sz="5200" b="1" dirty="0">
+                <a:latin typeface="Monaco" pitchFamily="2" charset="77"/>
+              </a:rPr>
+              <a:t>Demo</a:t>
+            </a:r>
+          </a:p>
+        </p:txBody>
+      </p:sp>
+      <p:sp>
+        <p:nvSpPr>
+          <p:cNvPr id="1035" name="Rectangle 1034">
+            <a:extLst>
+              <a:ext uri="{FF2B5EF4-FFF2-40B4-BE49-F238E27FC236}">
+                <a16:creationId xmlns:a16="http://schemas.microsoft.com/office/drawing/2014/main" id="{283D993D-7B7C-237D-7D4A-F09A3D0CF9F9}"/>
+              </a:ext>
+              <a:ext uri="{C183D7F6-B498-43B3-948B-1728B52AA6E4}">
+                <adec:decorative xmlns:adec="http://schemas.microsoft.com/office/drawing/2017/decorative" val="1"/>
+              </a:ext>
+            </a:extLst>
+          </p:cNvPr>
+          <p:cNvSpPr>
+            <a:spLocks noGrp="1" noRot="1" noChangeAspect="1" noMove="1" noResize="1" noEditPoints="1" noAdjustHandles="1" noChangeArrowheads="1" noChangeShapeType="1" noTextEdit="1"/>
+          </p:cNvSpPr>
+          <p:nvPr>
+            <p:extLst>
+              <p:ext uri="{386F3935-93C4-4BCD-93E2-E3B085C9AB24}">
+                <p16:designElem xmlns:p16="http://schemas.microsoft.com/office/powerpoint/2015/main" val="1"/>
+              </p:ext>
+            </p:extLst>
+          </p:nvPr>
+        </p:nvSpPr>
+        <p:spPr>
+          <a:xfrm rot="5400000">
+            <a:off x="7540187" y="2206184"/>
+            <a:ext cx="6858003" cy="2445624"/>
+          </a:xfrm>
+          <a:prstGeom prst="rect">
+            <a:avLst/>
+          </a:prstGeom>
+          <a:gradFill flip="none" rotWithShape="1">
+            <a:gsLst>
+              <a:gs pos="48000">
+                <a:srgbClr val="000000">
+                  <a:alpha val="24000"/>
+                </a:srgbClr>
+              </a:gs>
+              <a:gs pos="85000">
+                <a:srgbClr val="000000">
+                  <a:alpha val="45000"/>
+                </a:srgbClr>
+              </a:gs>
+              <a:gs pos="0">
+                <a:srgbClr val="000000">
+                  <a:alpha val="0"/>
+                </a:srgbClr>
+              </a:gs>
+            </a:gsLst>
+            <a:lin ang="16200000" scaled="1"/>
+            <a:tileRect/>
+          </a:gradFill>
+          <a:ln>
+            <a:noFill/>
+          </a:ln>
+        </p:spPr>
+        <p:style>
+          <a:lnRef idx="2">
+            <a:schemeClr val="accent1">
+              <a:shade val="50000"/>
+            </a:schemeClr>
+          </a:lnRef>
+          <a:fillRef idx="1">
+            <a:schemeClr val="accent1"/>
+          </a:fillRef>
+          <a:effectRef idx="0">
+            <a:schemeClr val="accent1"/>
+          </a:effectRef>
+          <a:fontRef idx="minor">
+            <a:schemeClr val="lt1"/>
+          </a:fontRef>
+        </p:style>
+        <p:txBody>
+          <a:bodyPr rtlCol="0" anchor="ctr"/>
+          <a:lstStyle/>
+          <a:p>
+            <a:pPr algn="ctr"/>
+            <a:endParaRPr lang="en-US"/>
+          </a:p>
+        </p:txBody>
+      </p:sp>
+      <p:sp>
+        <p:nvSpPr>
           <p:cNvPr id="3" name="TextBox 2">
             <a:extLst>
               <a:ext uri="{FF2B5EF4-FFF2-40B4-BE49-F238E27FC236}">
@@ -5402,7 +5801,7 @@
 </p:sld>
 </file>
 
-<file path=ppt/slides/slide5.xml><?xml version="1.0" encoding="utf-8"?>
+<file path=ppt/slides/slide6.xml><?xml version="1.0" encoding="utf-8"?>
 <p:sld xmlns:a="http://schemas.openxmlformats.org/drawingml/2006/main" xmlns:r="http://schemas.openxmlformats.org/officeDocument/2006/relationships" xmlns:p="http://schemas.openxmlformats.org/presentationml/2006/main">
   <p:cSld>
     <p:bg>
